--- a/Вершини АИ презентация.pptx
+++ b/Вершини АИ презентация.pptx
@@ -12,8 +12,8 @@
     <p:sldId id="260" r:id="rId6"/>
     <p:sldId id="261" r:id="rId7"/>
     <p:sldId id="262" r:id="rId8"/>
-    <p:sldId id="264" r:id="rId9"/>
-    <p:sldId id="263" r:id="rId10"/>
+    <p:sldId id="263" r:id="rId9"/>
+    <p:sldId id="264" r:id="rId10"/>
   </p:sldIdLst>
   <p:sldSz cx="12192000" cy="6858000"/>
   <p:notesSz cx="6858000" cy="9144000"/>
@@ -114,7 +114,7 @@
   </p:defaultTextStyle>
   <p:extLst>
     <p:ext uri="{521415D9-36F7-43E2-AB2F-B90AF26B5E84}">
-      <p14:sectionLst xmlns="" xmlns:p14="http://schemas.microsoft.com/office/powerpoint/2010/main">
+      <p14:sectionLst xmlns:p14="http://schemas.microsoft.com/office/powerpoint/2010/main" xmlns="">
         <p14:section name="Раздел по умолчанию" id="{4C2322CA-250D-4761-8CAE-DDA634535387}">
           <p14:sldIdLst>
             <p14:sldId id="256"/>
@@ -133,7 +133,7 @@
       </p14:sectionLst>
     </p:ext>
     <p:ext uri="{EFAFB233-063F-42B5-8137-9DF3F51BA10A}">
-      <p15:sldGuideLst xmlns="" xmlns:p15="http://schemas.microsoft.com/office/powerpoint/2012/main"/>
+      <p15:sldGuideLst xmlns:p15="http://schemas.microsoft.com/office/powerpoint/2012/main" xmlns=""/>
     </p:ext>
   </p:extLst>
 </p:presentation>
@@ -3507,7 +3507,7 @@
           <p:cNvPr id="5" name="Рисунок 4">
             <a:extLst>
               <a:ext uri="{FF2B5EF4-FFF2-40B4-BE49-F238E27FC236}">
-                <a16:creationId xmlns="" xmlns:a16="http://schemas.microsoft.com/office/drawing/2014/main" id="{7681D80D-C918-FA93-7A0D-7CABA48CEBD5}"/>
+                <a16:creationId xmlns:a16="http://schemas.microsoft.com/office/drawing/2014/main" xmlns="" id="{7681D80D-C918-FA93-7A0D-7CABA48CEBD5}"/>
               </a:ext>
             </a:extLst>
           </p:cNvPr>
@@ -3535,7 +3535,7 @@
     </p:spTree>
     <p:extLst>
       <p:ext uri="{BB962C8B-B14F-4D97-AF65-F5344CB8AC3E}">
-        <p14:creationId xmlns="" xmlns:p14="http://schemas.microsoft.com/office/powerpoint/2010/main" val="1882094170"/>
+        <p14:creationId xmlns:p14="http://schemas.microsoft.com/office/powerpoint/2010/main" xmlns="" val="1882094170"/>
       </p:ext>
     </p:extLst>
   </p:cSld>
@@ -3567,7 +3567,7 @@
           <p:cNvPr id="6" name="TextBox 5">
             <a:extLst>
               <a:ext uri="{FF2B5EF4-FFF2-40B4-BE49-F238E27FC236}">
-                <a16:creationId xmlns="" xmlns:a16="http://schemas.microsoft.com/office/drawing/2014/main" id="{AC229FA9-5813-4FA2-9C40-8CAA0B767EE1}"/>
+                <a16:creationId xmlns:a16="http://schemas.microsoft.com/office/drawing/2014/main" xmlns="" id="{AC229FA9-5813-4FA2-9C40-8CAA0B767EE1}"/>
               </a:ext>
             </a:extLst>
           </p:cNvPr>
@@ -3602,7 +3602,7 @@
           <p:cNvPr id="7" name="Прямоугольник 6">
             <a:extLst>
               <a:ext uri="{FF2B5EF4-FFF2-40B4-BE49-F238E27FC236}">
-                <a16:creationId xmlns="" xmlns:a16="http://schemas.microsoft.com/office/drawing/2014/main" id="{2E996C5C-DF85-4BA6-BA8E-E6D5C9BF8F61}"/>
+                <a16:creationId xmlns:a16="http://schemas.microsoft.com/office/drawing/2014/main" xmlns="" id="{2E996C5C-DF85-4BA6-BA8E-E6D5C9BF8F61}"/>
               </a:ext>
             </a:extLst>
           </p:cNvPr>
@@ -3692,7 +3692,7 @@
     </p:spTree>
     <p:extLst>
       <p:ext uri="{BB962C8B-B14F-4D97-AF65-F5344CB8AC3E}">
-        <p14:creationId xmlns="" xmlns:p14="http://schemas.microsoft.com/office/powerpoint/2010/main" val="3399478133"/>
+        <p14:creationId xmlns:p14="http://schemas.microsoft.com/office/powerpoint/2010/main" xmlns="" val="3399478133"/>
       </p:ext>
     </p:extLst>
   </p:cSld>
@@ -3724,7 +3724,7 @@
           <p:cNvPr id="8" name="Прямая соединительная линия 7">
             <a:extLst>
               <a:ext uri="{FF2B5EF4-FFF2-40B4-BE49-F238E27FC236}">
-                <a16:creationId xmlns="" xmlns:a16="http://schemas.microsoft.com/office/drawing/2014/main" id="{6CA199F9-7436-3FC9-2334-B0A11B1EE2BA}"/>
+                <a16:creationId xmlns:a16="http://schemas.microsoft.com/office/drawing/2014/main" xmlns="" id="{6CA199F9-7436-3FC9-2334-B0A11B1EE2BA}"/>
               </a:ext>
             </a:extLst>
           </p:cNvPr>
@@ -3765,7 +3765,7 @@
           <p:cNvPr id="9" name="Заголовок 1">
             <a:extLst>
               <a:ext uri="{FF2B5EF4-FFF2-40B4-BE49-F238E27FC236}">
-                <a16:creationId xmlns="" xmlns:a16="http://schemas.microsoft.com/office/drawing/2014/main" id="{3E454914-6A18-68A8-7CB1-1B125EAB4116}"/>
+                <a16:creationId xmlns:a16="http://schemas.microsoft.com/office/drawing/2014/main" xmlns="" id="{3E454914-6A18-68A8-7CB1-1B125EAB4116}"/>
               </a:ext>
             </a:extLst>
           </p:cNvPr>
@@ -3832,7 +3832,7 @@
           <p:cNvPr id="10" name="Заголовок 1">
             <a:extLst>
               <a:ext uri="{FF2B5EF4-FFF2-40B4-BE49-F238E27FC236}">
-                <a16:creationId xmlns="" xmlns:a16="http://schemas.microsoft.com/office/drawing/2014/main" id="{1E5DEEB8-5F9E-012A-B1C3-E95AFF02A033}"/>
+                <a16:creationId xmlns:a16="http://schemas.microsoft.com/office/drawing/2014/main" xmlns="" id="{1E5DEEB8-5F9E-012A-B1C3-E95AFF02A033}"/>
               </a:ext>
             </a:extLst>
           </p:cNvPr>
@@ -3910,7 +3910,7 @@
           <p:cNvPr id="11" name="Прямая соединительная линия 10">
             <a:extLst>
               <a:ext uri="{FF2B5EF4-FFF2-40B4-BE49-F238E27FC236}">
-                <a16:creationId xmlns="" xmlns:a16="http://schemas.microsoft.com/office/drawing/2014/main" id="{4B5F50B6-6635-A52A-CFDD-33442DF3613D}"/>
+                <a16:creationId xmlns:a16="http://schemas.microsoft.com/office/drawing/2014/main" xmlns="" id="{4B5F50B6-6635-A52A-CFDD-33442DF3613D}"/>
               </a:ext>
             </a:extLst>
           </p:cNvPr>
@@ -3951,7 +3951,7 @@
           <p:cNvPr id="12" name="Заголовок 1">
             <a:extLst>
               <a:ext uri="{FF2B5EF4-FFF2-40B4-BE49-F238E27FC236}">
-                <a16:creationId xmlns="" xmlns:a16="http://schemas.microsoft.com/office/drawing/2014/main" id="{BA205A08-D75B-E731-54B8-82F2FA56C8F3}"/>
+                <a16:creationId xmlns:a16="http://schemas.microsoft.com/office/drawing/2014/main" xmlns="" id="{BA205A08-D75B-E731-54B8-82F2FA56C8F3}"/>
               </a:ext>
             </a:extLst>
           </p:cNvPr>
@@ -4018,7 +4018,7 @@
           <p:cNvPr id="13" name="Заголовок 1">
             <a:extLst>
               <a:ext uri="{FF2B5EF4-FFF2-40B4-BE49-F238E27FC236}">
-                <a16:creationId xmlns="" xmlns:a16="http://schemas.microsoft.com/office/drawing/2014/main" id="{D2EBE7B4-0130-5267-A9F7-BA07CFA37D3D}"/>
+                <a16:creationId xmlns:a16="http://schemas.microsoft.com/office/drawing/2014/main" xmlns="" id="{D2EBE7B4-0130-5267-A9F7-BA07CFA37D3D}"/>
               </a:ext>
             </a:extLst>
           </p:cNvPr>
@@ -4114,7 +4114,7 @@
           <p:cNvPr id="16" name="Рисунок 15">
             <a:extLst>
               <a:ext uri="{FF2B5EF4-FFF2-40B4-BE49-F238E27FC236}">
-                <a16:creationId xmlns="" xmlns:a16="http://schemas.microsoft.com/office/drawing/2014/main" id="{9BD53453-3251-08C2-0E48-3DBFB860464B}"/>
+                <a16:creationId xmlns:a16="http://schemas.microsoft.com/office/drawing/2014/main" xmlns="" id="{9BD53453-3251-08C2-0E48-3DBFB860464B}"/>
               </a:ext>
             </a:extLst>
           </p:cNvPr>
@@ -4144,7 +4144,7 @@
           <p:cNvPr id="2" name="TextBox 1">
             <a:extLst>
               <a:ext uri="{FF2B5EF4-FFF2-40B4-BE49-F238E27FC236}">
-                <a16:creationId xmlns="" xmlns:a16="http://schemas.microsoft.com/office/drawing/2014/main" id="{838702B6-528F-41E1-AB10-E4BA9263F5F1}"/>
+                <a16:creationId xmlns:a16="http://schemas.microsoft.com/office/drawing/2014/main" xmlns="" id="{838702B6-528F-41E1-AB10-E4BA9263F5F1}"/>
               </a:ext>
             </a:extLst>
           </p:cNvPr>
@@ -4177,7 +4177,7 @@
     </p:spTree>
     <p:extLst>
       <p:ext uri="{BB962C8B-B14F-4D97-AF65-F5344CB8AC3E}">
-        <p14:creationId xmlns="" xmlns:p14="http://schemas.microsoft.com/office/powerpoint/2010/main" val="1021987991"/>
+        <p14:creationId xmlns:p14="http://schemas.microsoft.com/office/powerpoint/2010/main" xmlns="" val="1021987991"/>
       </p:ext>
     </p:extLst>
   </p:cSld>
@@ -4609,7 +4609,7 @@
           <p:cNvPr id="5" name="Google Shape;173;p18">
             <a:extLst>
               <a:ext uri="{FF2B5EF4-FFF2-40B4-BE49-F238E27FC236}">
-                <a16:creationId xmlns="" xmlns:a16="http://schemas.microsoft.com/office/drawing/2014/main" id="{2F1B29B3-7852-44FB-80CD-807158FBA6D7}"/>
+                <a16:creationId xmlns:a16="http://schemas.microsoft.com/office/drawing/2014/main" xmlns="" id="{2F1B29B3-7852-44FB-80CD-807158FBA6D7}"/>
               </a:ext>
             </a:extLst>
           </p:cNvPr>
@@ -4737,7 +4737,7 @@
           <p:cNvPr id="6" name="Google Shape;174;p18">
             <a:extLst>
               <a:ext uri="{FF2B5EF4-FFF2-40B4-BE49-F238E27FC236}">
-                <a16:creationId xmlns="" xmlns:a16="http://schemas.microsoft.com/office/drawing/2014/main" id="{12E428B2-B177-4604-87C4-594A2F8005E6}"/>
+                <a16:creationId xmlns:a16="http://schemas.microsoft.com/office/drawing/2014/main" xmlns="" id="{12E428B2-B177-4604-87C4-594A2F8005E6}"/>
               </a:ext>
             </a:extLst>
           </p:cNvPr>
@@ -5432,7 +5432,7 @@
     </p:spTree>
     <p:extLst>
       <p:ext uri="{BB962C8B-B14F-4D97-AF65-F5344CB8AC3E}">
-        <p14:creationId xmlns="" xmlns:p14="http://schemas.microsoft.com/office/powerpoint/2010/main" val="2605250861"/>
+        <p14:creationId xmlns:p14="http://schemas.microsoft.com/office/powerpoint/2010/main" xmlns="" val="2605250861"/>
       </p:ext>
     </p:extLst>
   </p:cSld>
@@ -5464,7 +5464,7 @@
           <p:cNvPr id="8" name="Google Shape;157;p16">
             <a:extLst>
               <a:ext uri="{FF2B5EF4-FFF2-40B4-BE49-F238E27FC236}">
-                <a16:creationId xmlns="" xmlns:a16="http://schemas.microsoft.com/office/drawing/2014/main" id="{CC6D3C5C-0D81-4F9E-AF15-D8426C565D4A}"/>
+                <a16:creationId xmlns:a16="http://schemas.microsoft.com/office/drawing/2014/main" xmlns="" id="{CC6D3C5C-0D81-4F9E-AF15-D8426C565D4A}"/>
               </a:ext>
             </a:extLst>
           </p:cNvPr>
@@ -5552,7 +5552,7 @@
           <p:cNvPr id="9" name="Google Shape;156;p16">
             <a:extLst>
               <a:ext uri="{FF2B5EF4-FFF2-40B4-BE49-F238E27FC236}">
-                <a16:creationId xmlns="" xmlns:a16="http://schemas.microsoft.com/office/drawing/2014/main" id="{C543B039-B5A8-4DBC-BB92-0AA17166915C}"/>
+                <a16:creationId xmlns:a16="http://schemas.microsoft.com/office/drawing/2014/main" xmlns="" id="{C543B039-B5A8-4DBC-BB92-0AA17166915C}"/>
               </a:ext>
             </a:extLst>
           </p:cNvPr>
@@ -6007,7 +6007,7 @@
     </p:spTree>
     <p:extLst>
       <p:ext uri="{BB962C8B-B14F-4D97-AF65-F5344CB8AC3E}">
-        <p14:creationId xmlns="" xmlns:p14="http://schemas.microsoft.com/office/powerpoint/2010/main" val="1512609072"/>
+        <p14:creationId xmlns:p14="http://schemas.microsoft.com/office/powerpoint/2010/main" xmlns="" val="1512609072"/>
       </p:ext>
     </p:extLst>
   </p:cSld>
@@ -6039,7 +6039,7 @@
           <p:cNvPr id="8" name="Google Shape;166;p17">
             <a:extLst>
               <a:ext uri="{FF2B5EF4-FFF2-40B4-BE49-F238E27FC236}">
-                <a16:creationId xmlns="" xmlns:a16="http://schemas.microsoft.com/office/drawing/2014/main" id="{8F6AE77A-4EC9-4C8F-A5CC-FFEA3B0AF817}"/>
+                <a16:creationId xmlns:a16="http://schemas.microsoft.com/office/drawing/2014/main" xmlns="" id="{8F6AE77A-4EC9-4C8F-A5CC-FFEA3B0AF817}"/>
               </a:ext>
             </a:extLst>
           </p:cNvPr>
@@ -6139,7 +6139,7 @@
           <p:cNvPr id="9" name="Google Shape;165;p17">
             <a:extLst>
               <a:ext uri="{FF2B5EF4-FFF2-40B4-BE49-F238E27FC236}">
-                <a16:creationId xmlns="" xmlns:a16="http://schemas.microsoft.com/office/drawing/2014/main" id="{10A3EF94-E26C-44CA-BD4C-83E76C50F7DD}"/>
+                <a16:creationId xmlns:a16="http://schemas.microsoft.com/office/drawing/2014/main" xmlns="" id="{10A3EF94-E26C-44CA-BD4C-83E76C50F7DD}"/>
               </a:ext>
             </a:extLst>
           </p:cNvPr>
@@ -6482,7 +6482,7 @@
     </p:spTree>
     <p:extLst>
       <p:ext uri="{BB962C8B-B14F-4D97-AF65-F5344CB8AC3E}">
-        <p14:creationId xmlns="" xmlns:p14="http://schemas.microsoft.com/office/powerpoint/2010/main" val="2475371679"/>
+        <p14:creationId xmlns:p14="http://schemas.microsoft.com/office/powerpoint/2010/main" xmlns="" val="2475371679"/>
       </p:ext>
     </p:extLst>
   </p:cSld>
@@ -6514,7 +6514,7 @@
           <p:cNvPr id="2" name="TextBox 1">
             <a:extLst>
               <a:ext uri="{FF2B5EF4-FFF2-40B4-BE49-F238E27FC236}">
-                <a16:creationId xmlns="" xmlns:a16="http://schemas.microsoft.com/office/drawing/2014/main" id="{C2F0F1AB-39FE-4F4E-8614-18AA3EAECE5E}"/>
+                <a16:creationId xmlns:a16="http://schemas.microsoft.com/office/drawing/2014/main" xmlns="" id="{C2F0F1AB-39FE-4F4E-8614-18AA3EAECE5E}"/>
               </a:ext>
             </a:extLst>
           </p:cNvPr>
@@ -6646,7 +6646,7 @@
     </p:spTree>
     <p:extLst>
       <p:ext uri="{BB962C8B-B14F-4D97-AF65-F5344CB8AC3E}">
-        <p14:creationId xmlns="" xmlns:p14="http://schemas.microsoft.com/office/powerpoint/2010/main" val="1370890101"/>
+        <p14:creationId xmlns:p14="http://schemas.microsoft.com/office/powerpoint/2010/main" xmlns="" val="1370890101"/>
       </p:ext>
     </p:extLst>
   </p:cSld>
@@ -6675,6 +6675,97 @@
       </p:grpSpPr>
       <p:sp>
         <p:nvSpPr>
+          <p:cNvPr id="2" name="TextBox 1">
+            <a:extLst>
+              <a:ext uri="{FF2B5EF4-FFF2-40B4-BE49-F238E27FC236}">
+                <a16:creationId xmlns:a16="http://schemas.microsoft.com/office/drawing/2014/main" xmlns="" id="{6850439C-F683-4A5C-86C3-DB2AB4B3BCE0}"/>
+              </a:ext>
+            </a:extLst>
+          </p:cNvPr>
+          <p:cNvSpPr txBox="1"/>
+          <p:nvPr/>
+        </p:nvSpPr>
+        <p:spPr>
+          <a:xfrm>
+            <a:off x="1230527" y="938825"/>
+            <a:ext cx="9845965" cy="830997"/>
+          </a:xfrm>
+          <a:prstGeom prst="rect">
+            <a:avLst/>
+          </a:prstGeom>
+          <a:noFill/>
+        </p:spPr>
+        <p:txBody>
+          <a:bodyPr wrap="none" rtlCol="0">
+            <a:spAutoFit/>
+          </a:bodyPr>
+          <a:lstStyle/>
+          <a:p>
+            <a:r>
+              <a:rPr lang="ru-RU" sz="4800" dirty="0"/>
+              <a:t>ДЕМОНСТРАЦИЯ ПРИЛОЖЕНИЯ</a:t>
+            </a:r>
+          </a:p>
+        </p:txBody>
+      </p:sp>
+      <p:pic>
+        <p:nvPicPr>
+          <p:cNvPr id="1026" name="Picture 2" descr="C:\Users\pr-21.103k-va\Downloads\gem_01a.png"/>
+          <p:cNvPicPr>
+            <a:picLocks noChangeAspect="1" noChangeArrowheads="1"/>
+          </p:cNvPicPr>
+          <p:nvPr/>
+        </p:nvPicPr>
+        <p:blipFill>
+          <a:blip r:embed="rId2"/>
+          <a:srcRect/>
+          <a:stretch>
+            <a:fillRect/>
+          </a:stretch>
+        </p:blipFill>
+        <p:spPr bwMode="auto">
+          <a:xfrm>
+            <a:off x="4604977" y="2507411"/>
+            <a:ext cx="2186886" cy="2186886"/>
+          </a:xfrm>
+          <a:prstGeom prst="rect">
+            <a:avLst/>
+          </a:prstGeom>
+          <a:noFill/>
+        </p:spPr>
+      </p:pic>
+    </p:spTree>
+    <p:extLst>
+      <p:ext uri="{BB962C8B-B14F-4D97-AF65-F5344CB8AC3E}">
+        <p14:creationId xmlns:p14="http://schemas.microsoft.com/office/powerpoint/2010/main" xmlns="" val="843619214"/>
+      </p:ext>
+    </p:extLst>
+  </p:cSld>
+  <p:clrMapOvr>
+    <a:masterClrMapping/>
+  </p:clrMapOvr>
+</p:sld>
+</file>
+
+<file path=ppt/slides/slide9.xml><?xml version="1.0" encoding="utf-8"?>
+<p:sld xmlns:a="http://schemas.openxmlformats.org/drawingml/2006/main" xmlns:r="http://schemas.openxmlformats.org/officeDocument/2006/relationships" xmlns:p="http://schemas.openxmlformats.org/presentationml/2006/main">
+  <p:cSld>
+    <p:spTree>
+      <p:nvGrpSpPr>
+        <p:cNvPr id="1" name=""/>
+        <p:cNvGrpSpPr/>
+        <p:nvPr/>
+      </p:nvGrpSpPr>
+      <p:grpSpPr>
+        <a:xfrm>
+          <a:off x="0" y="0"/>
+          <a:ext cx="0" cy="0"/>
+          <a:chOff x="0" y="0"/>
+          <a:chExt cx="0" cy="0"/>
+        </a:xfrm>
+      </p:grpSpPr>
+      <p:sp>
+        <p:nvSpPr>
           <p:cNvPr id="2" name="Заголовок 1"/>
           <p:cNvSpPr>
             <a:spLocks noGrp="1"/>
@@ -7085,7 +7176,7 @@
           <p:cNvPr id="5" name="Рисунок 4">
             <a:extLst>
               <a:ext uri="{FF2B5EF4-FFF2-40B4-BE49-F238E27FC236}">
-                <a16:creationId xmlns="" xmlns:a16="http://schemas.microsoft.com/office/drawing/2014/main" id="{7681D80D-C918-FA93-7A0D-7CABA48CEBD5}"/>
+                <a16:creationId xmlns:a16="http://schemas.microsoft.com/office/drawing/2014/main" xmlns="" id="{7681D80D-C918-FA93-7A0D-7CABA48CEBD5}"/>
               </a:ext>
             </a:extLst>
           </p:cNvPr>
@@ -7113,72 +7204,7 @@
     </p:spTree>
     <p:extLst>
       <p:ext uri="{BB962C8B-B14F-4D97-AF65-F5344CB8AC3E}">
-        <p14:creationId xmlns="" xmlns:p14="http://schemas.microsoft.com/office/powerpoint/2010/main" val="1882094170"/>
-      </p:ext>
-    </p:extLst>
-  </p:cSld>
-  <p:clrMapOvr>
-    <a:masterClrMapping/>
-  </p:clrMapOvr>
-</p:sld>
-</file>
-
-<file path=ppt/slides/slide9.xml><?xml version="1.0" encoding="utf-8"?>
-<p:sld xmlns:a="http://schemas.openxmlformats.org/drawingml/2006/main" xmlns:r="http://schemas.openxmlformats.org/officeDocument/2006/relationships" xmlns:p="http://schemas.openxmlformats.org/presentationml/2006/main">
-  <p:cSld>
-    <p:spTree>
-      <p:nvGrpSpPr>
-        <p:cNvPr id="1" name=""/>
-        <p:cNvGrpSpPr/>
-        <p:nvPr/>
-      </p:nvGrpSpPr>
-      <p:grpSpPr>
-        <a:xfrm>
-          <a:off x="0" y="0"/>
-          <a:ext cx="0" cy="0"/>
-          <a:chOff x="0" y="0"/>
-          <a:chExt cx="0" cy="0"/>
-        </a:xfrm>
-      </p:grpSpPr>
-      <p:sp>
-        <p:nvSpPr>
-          <p:cNvPr id="2" name="TextBox 1">
-            <a:extLst>
-              <a:ext uri="{FF2B5EF4-FFF2-40B4-BE49-F238E27FC236}">
-                <a16:creationId xmlns="" xmlns:a16="http://schemas.microsoft.com/office/drawing/2014/main" id="{6850439C-F683-4A5C-86C3-DB2AB4B3BCE0}"/>
-              </a:ext>
-            </a:extLst>
-          </p:cNvPr>
-          <p:cNvSpPr txBox="1"/>
-          <p:nvPr/>
-        </p:nvSpPr>
-        <p:spPr>
-          <a:xfrm>
-            <a:off x="1173017" y="2738870"/>
-            <a:ext cx="9845965" cy="830997"/>
-          </a:xfrm>
-          <a:prstGeom prst="rect">
-            <a:avLst/>
-          </a:prstGeom>
-          <a:noFill/>
-        </p:spPr>
-        <p:txBody>
-          <a:bodyPr wrap="none" rtlCol="0">
-            <a:spAutoFit/>
-          </a:bodyPr>
-          <a:lstStyle/>
-          <a:p>
-            <a:r>
-              <a:rPr lang="ru-RU" sz="4800" dirty="0"/>
-              <a:t>ДЕМОНСТРАЦИЯ ПРИЛОЖЕНИЯ</a:t>
-            </a:r>
-          </a:p>
-        </p:txBody>
-      </p:sp>
-    </p:spTree>
-    <p:extLst>
-      <p:ext uri="{BB962C8B-B14F-4D97-AF65-F5344CB8AC3E}">
-        <p14:creationId xmlns="" xmlns:p14="http://schemas.microsoft.com/office/powerpoint/2010/main" val="843619214"/>
+        <p14:creationId xmlns:p14="http://schemas.microsoft.com/office/powerpoint/2010/main" xmlns="" val="1882094170"/>
       </p:ext>
     </p:extLst>
   </p:cSld>
